--- a/lesson11.pptx
+++ b/lesson11.pptx
@@ -5,7 +5,7 @@
     <p:sldMasterId id="2147483648" r:id="rId1"/>
   </p:sldMasterIdLst>
   <p:notesMasterIdLst>
-    <p:notesMasterId r:id="rId28"/>
+    <p:notesMasterId r:id="rId29"/>
   </p:notesMasterIdLst>
   <p:sldIdLst>
     <p:sldId id="711" r:id="rId2"/>
@@ -28,12 +28,13 @@
     <p:sldId id="702" r:id="rId19"/>
     <p:sldId id="700" r:id="rId20"/>
     <p:sldId id="698" r:id="rId21"/>
-    <p:sldId id="610" r:id="rId22"/>
-    <p:sldId id="699" r:id="rId23"/>
-    <p:sldId id="679" r:id="rId24"/>
-    <p:sldId id="713" r:id="rId25"/>
-    <p:sldId id="383" r:id="rId26"/>
-    <p:sldId id="760" r:id="rId27"/>
+    <p:sldId id="762" r:id="rId22"/>
+    <p:sldId id="610" r:id="rId23"/>
+    <p:sldId id="699" r:id="rId24"/>
+    <p:sldId id="679" r:id="rId25"/>
+    <p:sldId id="713" r:id="rId26"/>
+    <p:sldId id="383" r:id="rId27"/>
+    <p:sldId id="760" r:id="rId28"/>
   </p:sldIdLst>
   <p:sldSz cx="12192000" cy="6858000"/>
   <p:notesSz cx="6858000" cy="9144000"/>
@@ -154,7 +155,7 @@
 <file path=ppt/revisionInfo.xml><?xml version="1.0" encoding="utf-8"?>
 <p1510:revInfo xmlns:a="http://schemas.openxmlformats.org/drawingml/2006/main" xmlns:r="http://schemas.openxmlformats.org/officeDocument/2006/relationships" xmlns:p1510="http://schemas.microsoft.com/office/powerpoint/2015/10/main">
   <p1510:revLst>
-    <p1510:client id="{9BD6DAEA-88C4-4928-90D2-ACD9517BBA4D}" v="1" dt="2022-07-07T04:50:37.695"/>
+    <p1510:client id="{9BD6DAEA-88C4-4928-90D2-ACD9517BBA4D}" v="11" dt="2022-07-07T04:57:57.192"/>
   </p1510:revLst>
 </p1510:revInfo>
 </file>
@@ -356,11 +357,49 @@
   </pc:docChgLst>
   <pc:docChgLst>
     <pc:chgData name="Anatoliy Kigel" userId="7432c6c4687b0a9c" providerId="LiveId" clId="{9BD6DAEA-88C4-4928-90D2-ACD9517BBA4D}"/>
-    <pc:docChg chg="custSel delSld modSld">
-      <pc:chgData name="Anatoliy Kigel" userId="7432c6c4687b0a9c" providerId="LiveId" clId="{9BD6DAEA-88C4-4928-90D2-ACD9517BBA4D}" dt="2022-07-07T04:50:57.615" v="76" actId="47"/>
+    <pc:docChg chg="undo custSel addSld delSld modSld">
+      <pc:chgData name="Anatoliy Kigel" userId="7432c6c4687b0a9c" providerId="LiveId" clId="{9BD6DAEA-88C4-4928-90D2-ACD9517BBA4D}" dt="2022-07-07T04:58:14.380" v="203" actId="20577"/>
       <pc:docMkLst>
         <pc:docMk/>
       </pc:docMkLst>
+      <pc:sldChg chg="modSp mod">
+        <pc:chgData name="Anatoliy Kigel" userId="7432c6c4687b0a9c" providerId="LiveId" clId="{9BD6DAEA-88C4-4928-90D2-ACD9517BBA4D}" dt="2022-07-07T04:56:31.237" v="164" actId="403"/>
+        <pc:sldMkLst>
+          <pc:docMk/>
+          <pc:sldMk cId="0" sldId="593"/>
+        </pc:sldMkLst>
+        <pc:spChg chg="mod">
+          <ac:chgData name="Anatoliy Kigel" userId="7432c6c4687b0a9c" providerId="LiveId" clId="{9BD6DAEA-88C4-4928-90D2-ACD9517BBA4D}" dt="2022-07-07T04:56:31.237" v="164" actId="403"/>
+          <ac:spMkLst>
+            <pc:docMk/>
+            <pc:sldMk cId="0" sldId="593"/>
+            <ac:spMk id="5" creationId="{00000000-0000-0000-0000-000000000000}"/>
+          </ac:spMkLst>
+        </pc:spChg>
+      </pc:sldChg>
+      <pc:sldChg chg="delSp modSp mod">
+        <pc:chgData name="Anatoliy Kigel" userId="7432c6c4687b0a9c" providerId="LiveId" clId="{9BD6DAEA-88C4-4928-90D2-ACD9517BBA4D}" dt="2022-07-07T04:57:07.873" v="177" actId="404"/>
+        <pc:sldMkLst>
+          <pc:docMk/>
+          <pc:sldMk cId="3590507252" sldId="689"/>
+        </pc:sldMkLst>
+        <pc:spChg chg="mod">
+          <ac:chgData name="Anatoliy Kigel" userId="7432c6c4687b0a9c" providerId="LiveId" clId="{9BD6DAEA-88C4-4928-90D2-ACD9517BBA4D}" dt="2022-07-07T04:57:07.873" v="177" actId="404"/>
+          <ac:spMkLst>
+            <pc:docMk/>
+            <pc:sldMk cId="3590507252" sldId="689"/>
+            <ac:spMk id="9" creationId="{00000000-0000-0000-0000-000000000000}"/>
+          </ac:spMkLst>
+        </pc:spChg>
+        <pc:spChg chg="del">
+          <ac:chgData name="Anatoliy Kigel" userId="7432c6c4687b0a9c" providerId="LiveId" clId="{9BD6DAEA-88C4-4928-90D2-ACD9517BBA4D}" dt="2022-07-07T04:56:57.563" v="175" actId="478"/>
+          <ac:spMkLst>
+            <pc:docMk/>
+            <pc:sldMk cId="3590507252" sldId="689"/>
+            <ac:spMk id="11" creationId="{00000000-0000-0000-0000-000000000000}"/>
+          </ac:spMkLst>
+        </pc:spChg>
+      </pc:sldChg>
       <pc:sldChg chg="delSp modSp mod">
         <pc:chgData name="Anatoliy Kigel" userId="7432c6c4687b0a9c" providerId="LiveId" clId="{9BD6DAEA-88C4-4928-90D2-ACD9517BBA4D}" dt="2022-07-07T04:50:12.672" v="63" actId="1036"/>
         <pc:sldMkLst>
@@ -462,6 +501,53 @@
           </ac:spMkLst>
         </pc:spChg>
       </pc:sldChg>
+      <pc:sldChg chg="delSp modSp mod">
+        <pc:chgData name="Anatoliy Kigel" userId="7432c6c4687b0a9c" providerId="LiveId" clId="{9BD6DAEA-88C4-4928-90D2-ACD9517BBA4D}" dt="2022-07-07T04:56:52.914" v="174" actId="20577"/>
+        <pc:sldMkLst>
+          <pc:docMk/>
+          <pc:sldMk cId="2259849768" sldId="706"/>
+        </pc:sldMkLst>
+        <pc:spChg chg="mod">
+          <ac:chgData name="Anatoliy Kigel" userId="7432c6c4687b0a9c" providerId="LiveId" clId="{9BD6DAEA-88C4-4928-90D2-ACD9517BBA4D}" dt="2022-07-07T04:56:44.195" v="167" actId="1035"/>
+          <ac:spMkLst>
+            <pc:docMk/>
+            <pc:sldMk cId="2259849768" sldId="706"/>
+            <ac:spMk id="5" creationId="{00000000-0000-0000-0000-000000000000}"/>
+          </ac:spMkLst>
+        </pc:spChg>
+        <pc:spChg chg="mod">
+          <ac:chgData name="Anatoliy Kigel" userId="7432c6c4687b0a9c" providerId="LiveId" clId="{9BD6DAEA-88C4-4928-90D2-ACD9517BBA4D}" dt="2022-07-07T04:56:52.914" v="174" actId="20577"/>
+          <ac:spMkLst>
+            <pc:docMk/>
+            <pc:sldMk cId="2259849768" sldId="706"/>
+            <ac:spMk id="9" creationId="{00000000-0000-0000-0000-000000000000}"/>
+          </ac:spMkLst>
+        </pc:spChg>
+        <pc:spChg chg="del">
+          <ac:chgData name="Anatoliy Kigel" userId="7432c6c4687b0a9c" providerId="LiveId" clId="{9BD6DAEA-88C4-4928-90D2-ACD9517BBA4D}" dt="2022-07-07T04:56:46.336" v="168" actId="478"/>
+          <ac:spMkLst>
+            <pc:docMk/>
+            <pc:sldMk cId="2259849768" sldId="706"/>
+            <ac:spMk id="11" creationId="{00000000-0000-0000-0000-000000000000}"/>
+          </ac:spMkLst>
+        </pc:spChg>
+        <pc:spChg chg="del">
+          <ac:chgData name="Anatoliy Kigel" userId="7432c6c4687b0a9c" providerId="LiveId" clId="{9BD6DAEA-88C4-4928-90D2-ACD9517BBA4D}" dt="2022-07-07T04:56:46.336" v="168" actId="478"/>
+          <ac:spMkLst>
+            <pc:docMk/>
+            <pc:sldMk cId="2259849768" sldId="706"/>
+            <ac:spMk id="12" creationId="{00000000-0000-0000-0000-000000000000}"/>
+          </ac:spMkLst>
+        </pc:spChg>
+        <pc:spChg chg="del">
+          <ac:chgData name="Anatoliy Kigel" userId="7432c6c4687b0a9c" providerId="LiveId" clId="{9BD6DAEA-88C4-4928-90D2-ACD9517BBA4D}" dt="2022-07-07T04:56:46.336" v="168" actId="478"/>
+          <ac:spMkLst>
+            <pc:docMk/>
+            <pc:sldMk cId="2259849768" sldId="706"/>
+            <ac:spMk id="13" creationId="{00000000-0000-0000-0000-000000000000}"/>
+          </ac:spMkLst>
+        </pc:spChg>
+      </pc:sldChg>
       <pc:sldChg chg="del">
         <pc:chgData name="Anatoliy Kigel" userId="7432c6c4687b0a9c" providerId="LiveId" clId="{9BD6DAEA-88C4-4928-90D2-ACD9517BBA4D}" dt="2022-07-07T04:50:57.615" v="76" actId="47"/>
         <pc:sldMkLst>
@@ -499,6 +585,52 @@
             <ac:spMk id="5" creationId="{00000000-0000-0000-0000-000000000000}"/>
           </ac:spMkLst>
         </pc:spChg>
+      </pc:sldChg>
+      <pc:sldChg chg="add del">
+        <pc:chgData name="Anatoliy Kigel" userId="7432c6c4687b0a9c" providerId="LiveId" clId="{9BD6DAEA-88C4-4928-90D2-ACD9517BBA4D}" dt="2022-07-07T04:55:05.884" v="78" actId="2890"/>
+        <pc:sldMkLst>
+          <pc:docMk/>
+          <pc:sldMk cId="888132944" sldId="762"/>
+        </pc:sldMkLst>
+      </pc:sldChg>
+      <pc:sldChg chg="addSp delSp modSp add mod">
+        <pc:chgData name="Anatoliy Kigel" userId="7432c6c4687b0a9c" providerId="LiveId" clId="{9BD6DAEA-88C4-4928-90D2-ACD9517BBA4D}" dt="2022-07-07T04:58:14.380" v="203" actId="20577"/>
+        <pc:sldMkLst>
+          <pc:docMk/>
+          <pc:sldMk cId="3281285070" sldId="762"/>
+        </pc:sldMkLst>
+        <pc:spChg chg="mod">
+          <ac:chgData name="Anatoliy Kigel" userId="7432c6c4687b0a9c" providerId="LiveId" clId="{9BD6DAEA-88C4-4928-90D2-ACD9517BBA4D}" dt="2022-07-07T04:58:14.380" v="203" actId="20577"/>
+          <ac:spMkLst>
+            <pc:docMk/>
+            <pc:sldMk cId="3281285070" sldId="762"/>
+            <ac:spMk id="5" creationId="{00000000-0000-0000-0000-000000000000}"/>
+          </ac:spMkLst>
+        </pc:spChg>
+        <pc:spChg chg="mod">
+          <ac:chgData name="Anatoliy Kigel" userId="7432c6c4687b0a9c" providerId="LiveId" clId="{9BD6DAEA-88C4-4928-90D2-ACD9517BBA4D}" dt="2022-07-07T04:56:19.749" v="162" actId="1036"/>
+          <ac:spMkLst>
+            <pc:docMk/>
+            <pc:sldMk cId="3281285070" sldId="762"/>
+            <ac:spMk id="12" creationId="{00000000-0000-0000-0000-000000000000}"/>
+          </ac:spMkLst>
+        </pc:spChg>
+        <pc:picChg chg="add mod">
+          <ac:chgData name="Anatoliy Kigel" userId="7432c6c4687b0a9c" providerId="LiveId" clId="{9BD6DAEA-88C4-4928-90D2-ACD9517BBA4D}" dt="2022-07-07T04:57:57.192" v="183" actId="1076"/>
+          <ac:picMkLst>
+            <pc:docMk/>
+            <pc:sldMk cId="3281285070" sldId="762"/>
+            <ac:picMk id="1026" creationId="{56254579-8939-E968-2247-0DE1C93D1E1F}"/>
+          </ac:picMkLst>
+        </pc:picChg>
+        <pc:picChg chg="del">
+          <ac:chgData name="Anatoliy Kigel" userId="7432c6c4687b0a9c" providerId="LiveId" clId="{9BD6DAEA-88C4-4928-90D2-ACD9517BBA4D}" dt="2022-07-07T04:55:08.684" v="80" actId="478"/>
+          <ac:picMkLst>
+            <pc:docMk/>
+            <pc:sldMk cId="3281285070" sldId="762"/>
+            <ac:picMk id="4098" creationId="{00000000-0000-0000-0000-000000000000}"/>
+          </ac:picMkLst>
+        </pc:picChg>
       </pc:sldChg>
     </pc:docChg>
   </pc:docChgLst>
@@ -4407,8 +4539,8 @@
         </p:nvSpPr>
         <p:spPr>
           <a:xfrm>
-            <a:off x="7896200" y="260648"/>
-            <a:ext cx="4295800" cy="584775"/>
+            <a:off x="7896200" y="116632"/>
+            <a:ext cx="4295800" cy="646331"/>
           </a:xfrm>
           <a:prstGeom prst="rect">
             <a:avLst/>
@@ -4423,10 +4555,10 @@
           <a:p>
             <a:pPr algn="ctr"/>
             <a:r>
-              <a:rPr lang="en-US" sz="3200" b="1" dirty="0"/>
+              <a:rPr lang="en-US" sz="3600" b="1" dirty="0"/>
               <a:t>CSS Grid</a:t>
             </a:r>
-            <a:endParaRPr lang="ru-RU" sz="3200" b="1" dirty="0"/>
+            <a:endParaRPr lang="ru-RU" sz="3600" b="1" dirty="0"/>
           </a:p>
         </p:txBody>
       </p:sp>
@@ -4473,7 +4605,7 @@
         <p:spPr>
           <a:xfrm>
             <a:off x="8112224" y="908720"/>
-            <a:ext cx="3736347" cy="3785652"/>
+            <a:ext cx="3736347" cy="4801314"/>
           </a:xfrm>
           <a:prstGeom prst="rect">
             <a:avLst/>
@@ -4487,187 +4619,94 @@
           <a:lstStyle/>
           <a:p>
             <a:r>
-              <a:rPr lang="en-US" sz="1600" b="1" dirty="0"/>
+              <a:rPr lang="en-US" b="1" dirty="0"/>
               <a:t>Grid</a:t>
             </a:r>
             <a:r>
-              <a:rPr lang="en-US" sz="1600" dirty="0"/>
+              <a:rPr lang="en-US" dirty="0"/>
               <a:t> </a:t>
             </a:r>
             <a:r>
-              <a:rPr lang="ru-RU" sz="1600" dirty="0"/>
+              <a:rPr lang="ru-RU" dirty="0"/>
               <a:t>мы можем включить для любого тега, применив </a:t>
             </a:r>
             <a:r>
-              <a:rPr lang="en-US" sz="1600" b="1" dirty="0" err="1"/>
+              <a:rPr lang="en-US" b="1" dirty="0" err="1"/>
               <a:t>display:grid</a:t>
             </a:r>
             <a:r>
-              <a:rPr lang="ru-RU" sz="1600" dirty="0"/>
+              <a:rPr lang="ru-RU" dirty="0"/>
               <a:t>, а далее при помощи свойств </a:t>
             </a:r>
             <a:r>
-              <a:rPr lang="en-US" sz="1600" b="1" dirty="0"/>
+              <a:rPr lang="en-US" b="1" dirty="0"/>
               <a:t>grid-template-columns</a:t>
             </a:r>
             <a:r>
-              <a:rPr lang="en-US" sz="1600" dirty="0"/>
+              <a:rPr lang="en-US" dirty="0"/>
               <a:t> </a:t>
             </a:r>
             <a:r>
-              <a:rPr lang="ru-RU" sz="1600" dirty="0"/>
+              <a:rPr lang="ru-RU" dirty="0"/>
               <a:t>и </a:t>
             </a:r>
             <a:r>
-              <a:rPr lang="en-US" sz="1600" b="1" dirty="0"/>
+              <a:rPr lang="en-US" b="1" dirty="0"/>
               <a:t>grid-template-rows</a:t>
             </a:r>
             <a:r>
-              <a:rPr lang="ru-RU" sz="1600" dirty="0"/>
+              <a:rPr lang="ru-RU" dirty="0"/>
               <a:t> задать соответственно: количество и ширину столбцов и строк которые будут в создаваемой сетке. Все дочерние элементы автоматически расположатся в ячейках сетки. Для задания размера столбцов и строк помимо уже известных единиц измерений можно использовать </a:t>
             </a:r>
             <a:r>
-              <a:rPr lang="en-US" sz="1600" b="1" dirty="0" err="1"/>
+              <a:rPr lang="en-US" b="1" dirty="0" err="1"/>
               <a:t>fr</a:t>
             </a:r>
             <a:r>
-              <a:rPr lang="en-US" sz="1600" dirty="0"/>
+              <a:rPr lang="en-US" dirty="0"/>
               <a:t> (</a:t>
             </a:r>
             <a:r>
-              <a:rPr lang="ru-RU" sz="1600" dirty="0"/>
+              <a:rPr lang="ru-RU" dirty="0"/>
               <a:t>например: </a:t>
             </a:r>
             <a:r>
-              <a:rPr lang="ru-RU" sz="1600" b="1" dirty="0"/>
+              <a:rPr lang="ru-RU" b="1" dirty="0"/>
               <a:t>2</a:t>
             </a:r>
             <a:r>
-              <a:rPr lang="en-US" sz="1600" b="1" dirty="0"/>
+              <a:rPr lang="en-US" b="1" dirty="0"/>
               <a:t>.5</a:t>
             </a:r>
             <a:r>
-              <a:rPr lang="it-IT" sz="1600" b="1" dirty="0"/>
+              <a:rPr lang="it-IT" b="1" dirty="0"/>
               <a:t>fr</a:t>
             </a:r>
             <a:r>
-              <a:rPr lang="en-US" sz="1600" dirty="0"/>
+              <a:rPr lang="en-US" dirty="0"/>
               <a:t>) </a:t>
             </a:r>
             <a:r>
-              <a:rPr lang="ru-RU" sz="1600" dirty="0"/>
+              <a:rPr lang="ru-RU" dirty="0"/>
               <a:t>эта единица задаёт часть от свободного пространства. Отступ между ячейками можно задать при помощи свойства </a:t>
             </a:r>
             <a:r>
-              <a:rPr lang="en-US" sz="1600" b="1" dirty="0"/>
-              <a:t>grid-gap</a:t>
-            </a:r>
-            <a:r>
-              <a:rPr lang="en-US" sz="1600" dirty="0"/>
+              <a:rPr lang="en-US" b="1" dirty="0"/>
+              <a:t>gap</a:t>
+            </a:r>
+            <a:r>
+              <a:rPr lang="en-US" dirty="0"/>
               <a:t>.</a:t>
             </a:r>
             <a:r>
-              <a:rPr lang="ru-RU" sz="1600" dirty="0"/>
+              <a:rPr lang="ru-RU" dirty="0"/>
               <a:t> </a:t>
             </a:r>
             <a:r>
-              <a:rPr lang="en-US" sz="1600" dirty="0"/>
+              <a:rPr lang="en-US" dirty="0"/>
               <a:t> </a:t>
             </a:r>
-            <a:endParaRPr lang="uk-UA" sz="1600" dirty="0"/>
-          </a:p>
-        </p:txBody>
-      </p:sp>
-      <p:sp>
-        <p:nvSpPr>
-          <p:cNvPr id="11" name="Прямоугольник 10"/>
-          <p:cNvSpPr/>
-          <p:nvPr/>
-        </p:nvSpPr>
-        <p:spPr>
-          <a:xfrm>
-            <a:off x="8112224" y="5013176"/>
-            <a:ext cx="3637534" cy="307777"/>
-          </a:xfrm>
-          <a:prstGeom prst="rect">
-            <a:avLst/>
-          </a:prstGeom>
-        </p:spPr>
-        <p:txBody>
-          <a:bodyPr wrap="none">
-            <a:spAutoFit/>
-          </a:bodyPr>
-          <a:lstStyle/>
-          <a:p>
-            <a:r>
-              <a:rPr lang="en-US" sz="1400" b="1" dirty="0">
-                <a:hlinkClick r:id="rId3"/>
-              </a:rPr>
-              <a:t>https://xsltdev.ru/css/grid-template-columns/</a:t>
-            </a:r>
-            <a:endParaRPr lang="uk-UA" sz="1400" b="1" dirty="0"/>
-          </a:p>
-        </p:txBody>
-      </p:sp>
-      <p:sp>
-        <p:nvSpPr>
-          <p:cNvPr id="12" name="Прямоугольник 11"/>
-          <p:cNvSpPr/>
-          <p:nvPr/>
-        </p:nvSpPr>
-        <p:spPr>
-          <a:xfrm>
-            <a:off x="8112224" y="5355788"/>
-            <a:ext cx="3373488" cy="307777"/>
-          </a:xfrm>
-          <a:prstGeom prst="rect">
-            <a:avLst/>
-          </a:prstGeom>
-        </p:spPr>
-        <p:txBody>
-          <a:bodyPr wrap="none">
-            <a:spAutoFit/>
-          </a:bodyPr>
-          <a:lstStyle/>
-          <a:p>
-            <a:r>
-              <a:rPr lang="en-US" sz="1400" b="1" dirty="0">
-                <a:hlinkClick r:id="rId4"/>
-              </a:rPr>
-              <a:t>https://xsltdev.ru/css/grid-template-rows/</a:t>
-            </a:r>
-            <a:endParaRPr lang="uk-UA" sz="1400" b="1" dirty="0"/>
-          </a:p>
-        </p:txBody>
-      </p:sp>
-      <p:sp>
-        <p:nvSpPr>
-          <p:cNvPr id="13" name="Прямоугольник 12"/>
-          <p:cNvSpPr/>
-          <p:nvPr/>
-        </p:nvSpPr>
-        <p:spPr>
-          <a:xfrm>
-            <a:off x="8112224" y="5698400"/>
-            <a:ext cx="2549737" cy="307777"/>
-          </a:xfrm>
-          <a:prstGeom prst="rect">
-            <a:avLst/>
-          </a:prstGeom>
-        </p:spPr>
-        <p:txBody>
-          <a:bodyPr wrap="none">
-            <a:spAutoFit/>
-          </a:bodyPr>
-          <a:lstStyle/>
-          <a:p>
-            <a:r>
-              <a:rPr lang="en-US" sz="1400" b="1" dirty="0">
-                <a:hlinkClick r:id="rId5"/>
-              </a:rPr>
-              <a:t>https://xsltdev.ru/css/grid-gap/</a:t>
-            </a:r>
-            <a:endParaRPr lang="uk-UA" sz="1400" b="1" dirty="0"/>
+            <a:endParaRPr lang="uk-UA" dirty="0"/>
           </a:p>
         </p:txBody>
       </p:sp>
@@ -4680,7 +4719,7 @@
           <p:nvPr/>
         </p:nvPicPr>
         <p:blipFill>
-          <a:blip r:embed="rId6"/>
+          <a:blip r:embed="rId3"/>
           <a:stretch>
             <a:fillRect/>
           </a:stretch>
@@ -4894,37 +4933,6 @@
           </a:p>
         </p:txBody>
       </p:sp>
-      <p:sp>
-        <p:nvSpPr>
-          <p:cNvPr id="11" name="Прямоугольник 10"/>
-          <p:cNvSpPr/>
-          <p:nvPr/>
-        </p:nvSpPr>
-        <p:spPr>
-          <a:xfrm>
-            <a:off x="7968208" y="5661248"/>
-            <a:ext cx="3041154" cy="307777"/>
-          </a:xfrm>
-          <a:prstGeom prst="rect">
-            <a:avLst/>
-          </a:prstGeom>
-        </p:spPr>
-        <p:txBody>
-          <a:bodyPr wrap="none">
-            <a:spAutoFit/>
-          </a:bodyPr>
-          <a:lstStyle/>
-          <a:p>
-            <a:r>
-              <a:rPr lang="en-US" sz="1400" b="1" dirty="0">
-                <a:hlinkClick r:id="rId2"/>
-              </a:rPr>
-              <a:t>https://xsltdev.ru/css/grid-auto-rows/</a:t>
-            </a:r>
-            <a:endParaRPr lang="uk-UA" sz="1400" b="1" dirty="0"/>
-          </a:p>
-        </p:txBody>
-      </p:sp>
       <p:pic>
         <p:nvPicPr>
           <p:cNvPr id="2" name="Рисунок 1"/>
@@ -4934,7 +4942,7 @@
           <p:nvPr/>
         </p:nvPicPr>
         <p:blipFill>
-          <a:blip r:embed="rId3"/>
+          <a:blip r:embed="rId2"/>
           <a:stretch>
             <a:fillRect/>
           </a:stretch>
@@ -4958,7 +4966,7 @@
           <p:nvPr/>
         </p:nvPicPr>
         <p:blipFill>
-          <a:blip r:embed="rId4"/>
+          <a:blip r:embed="rId3"/>
           <a:stretch>
             <a:fillRect/>
           </a:stretch>
@@ -6662,54 +6670,267 @@
       </p:grpSpPr>
       <p:sp>
         <p:nvSpPr>
-          <p:cNvPr id="5" name="Прямоугольник 4"/>
-          <p:cNvSpPr/>
+          <p:cNvPr id="4" name="Номер слайда 36"/>
+          <p:cNvSpPr txBox="1">
+            <a:spLocks/>
+          </p:cNvSpPr>
           <p:nvPr/>
         </p:nvSpPr>
         <p:spPr>
           <a:xfrm>
-            <a:off x="0" y="0"/>
-            <a:ext cx="12192000" cy="6858000"/>
-          </a:xfrm>
-          <a:prstGeom prst="rect">
+            <a:off x="11280576" y="6149264"/>
+            <a:ext cx="648072" cy="432048"/>
+          </a:xfrm>
+          <a:prstGeom prst="roundRect">
             <a:avLst/>
           </a:prstGeom>
-          <a:solidFill>
-            <a:schemeClr val="tx2">
-              <a:lumMod val="75000"/>
-            </a:schemeClr>
-          </a:solidFill>
+          <a:ln w="25400" cap="flat" cmpd="sng" algn="ctr">
+            <a:solidFill>
+              <a:schemeClr val="tx2">
+                <a:lumMod val="60000"/>
+                <a:lumOff val="40000"/>
+              </a:schemeClr>
+            </a:solidFill>
+            <a:prstDash val="solid"/>
+          </a:ln>
         </p:spPr>
         <p:style>
           <a:lnRef idx="2">
-            <a:schemeClr val="accent1">
-              <a:shade val="50000"/>
-            </a:schemeClr>
+            <a:schemeClr val="accent1"/>
           </a:lnRef>
           <a:fillRef idx="1">
-            <a:schemeClr val="accent1"/>
+            <a:schemeClr val="lt1"/>
           </a:fillRef>
           <a:effectRef idx="0">
             <a:schemeClr val="accent1"/>
           </a:effectRef>
           <a:fontRef idx="minor">
-            <a:schemeClr val="lt1"/>
+            <a:schemeClr val="dk1"/>
           </a:fontRef>
         </p:style>
         <p:txBody>
-          <a:bodyPr rtlCol="0" anchor="ctr"/>
+          <a:bodyPr vert="horz" lIns="91440" tIns="45720" rIns="91440" bIns="45720" rtlCol="0" anchor="ctr"/>
+          <a:lstStyle/>
+          <a:p>
+            <a:pPr algn="ctr">
+              <a:defRPr/>
+            </a:pPr>
+            <a:fld id="{6389AA22-90B4-448C-8B6B-C699140D38B9}" type="slidenum">
+              <a:rPr lang="uk-UA" sz="2000" b="1">
+                <a:solidFill>
+                  <a:schemeClr val="bg1">
+                    <a:lumMod val="50000"/>
+                  </a:schemeClr>
+                </a:solidFill>
+              </a:rPr>
+              <a:pPr algn="ctr">
+                <a:defRPr/>
+              </a:pPr>
+              <a:t>21</a:t>
+            </a:fld>
+            <a:endParaRPr lang="uk-UA" sz="2000" b="1" dirty="0">
+              <a:solidFill>
+                <a:schemeClr val="bg1">
+                  <a:lumMod val="50000"/>
+                </a:schemeClr>
+              </a:solidFill>
+            </a:endParaRPr>
+          </a:p>
+        </p:txBody>
+      </p:sp>
+      <p:sp>
+        <p:nvSpPr>
+          <p:cNvPr id="5" name="TextBox 4"/>
+          <p:cNvSpPr txBox="1"/>
+          <p:nvPr/>
+        </p:nvSpPr>
+        <p:spPr>
+          <a:xfrm>
+            <a:off x="0" y="488866"/>
+            <a:ext cx="12192000" cy="646331"/>
+          </a:xfrm>
+          <a:prstGeom prst="rect">
+            <a:avLst/>
+          </a:prstGeom>
+          <a:noFill/>
+        </p:spPr>
+        <p:txBody>
+          <a:bodyPr wrap="square" rtlCol="0">
+            <a:spAutoFit/>
+          </a:bodyPr>
           <a:lstStyle/>
           <a:p>
             <a:pPr algn="ctr"/>
             <a:r>
-              <a:rPr lang="ru-RU" sz="6000" b="1" dirty="0"/>
-              <a:t>Домашнее задание</a:t>
-            </a:r>
-            <a:endParaRPr lang="uk-UA" sz="6000" b="1" dirty="0"/>
-          </a:p>
-        </p:txBody>
-      </p:sp>
+              <a:rPr lang="en-US" sz="3600" b="1" dirty="0"/>
+              <a:t>CSS Grid </a:t>
+            </a:r>
+            <a:r>
+              <a:rPr lang="en-US" sz="3600" b="1" dirty="0">
+                <a:solidFill>
+                  <a:schemeClr val="accent6">
+                    <a:lumMod val="75000"/>
+                  </a:schemeClr>
+                </a:solidFill>
+              </a:rPr>
+              <a:t>auto-fill</a:t>
+            </a:r>
+            <a:r>
+              <a:rPr lang="en-US" sz="3600" b="1" dirty="0"/>
+              <a:t> / </a:t>
+            </a:r>
+            <a:r>
+              <a:rPr lang="en-US" sz="3600" b="1" dirty="0">
+                <a:solidFill>
+                  <a:srgbClr val="00B050"/>
+                </a:solidFill>
+              </a:rPr>
+              <a:t>auto-fit</a:t>
+            </a:r>
+            <a:r>
+              <a:rPr lang="en-US" sz="3600" b="1" dirty="0"/>
+              <a:t> – </a:t>
+            </a:r>
+            <a:r>
+              <a:rPr lang="ru-RU" sz="3600" b="1" dirty="0"/>
+              <a:t>с ним и </a:t>
+            </a:r>
+            <a:r>
+              <a:rPr lang="en-US" sz="3600" b="1"/>
+              <a:t>flexbox </a:t>
+            </a:r>
+            <a:r>
+              <a:rPr lang="ru-RU" sz="3600" b="1" dirty="0"/>
+              <a:t>не нужен…</a:t>
+            </a:r>
+            <a:endParaRPr lang="uk-UA" sz="3600" b="1" dirty="0"/>
+          </a:p>
+        </p:txBody>
+      </p:sp>
+      <p:sp>
+        <p:nvSpPr>
+          <p:cNvPr id="12" name="Прямоугольник 11"/>
+          <p:cNvSpPr/>
+          <p:nvPr/>
+        </p:nvSpPr>
+        <p:spPr>
+          <a:xfrm>
+            <a:off x="1134741" y="5621178"/>
+            <a:ext cx="10328661" cy="400110"/>
+          </a:xfrm>
+          <a:prstGeom prst="rect">
+            <a:avLst/>
+          </a:prstGeom>
+        </p:spPr>
+        <p:txBody>
+          <a:bodyPr wrap="none">
+            <a:spAutoFit/>
+          </a:bodyPr>
+          <a:lstStyle/>
+          <a:p>
+            <a:r>
+              <a:rPr lang="en-US" sz="2000" b="1" dirty="0">
+                <a:hlinkClick r:id="rId2"/>
+              </a:rPr>
+              <a:t>https://medium.com/@stasonmars/</a:t>
+            </a:r>
+            <a:r>
+              <a:rPr lang="uk-UA" sz="2000" b="1" dirty="0" err="1">
+                <a:hlinkClick r:id="rId2"/>
+              </a:rPr>
+              <a:t>как-работают</a:t>
+            </a:r>
+            <a:r>
+              <a:rPr lang="uk-UA" sz="2000" b="1" dirty="0">
+                <a:hlinkClick r:id="rId2"/>
+              </a:rPr>
+              <a:t>-</a:t>
+            </a:r>
+            <a:r>
+              <a:rPr lang="en-US" sz="2000" b="1" dirty="0">
+                <a:hlinkClick r:id="rId2"/>
+              </a:rPr>
+              <a:t>auto-fill-</a:t>
+            </a:r>
+            <a:r>
+              <a:rPr lang="uk-UA" sz="2000" b="1" dirty="0">
+                <a:hlinkClick r:id="rId2"/>
+              </a:rPr>
+              <a:t>и-</a:t>
+            </a:r>
+            <a:r>
+              <a:rPr lang="en-US" sz="2000" b="1" dirty="0">
+                <a:hlinkClick r:id="rId2"/>
+              </a:rPr>
+              <a:t>auto-fit-</a:t>
+            </a:r>
+            <a:r>
+              <a:rPr lang="uk-UA" sz="2000" b="1" dirty="0">
+                <a:hlinkClick r:id="rId2"/>
+              </a:rPr>
+              <a:t>в-</a:t>
+            </a:r>
+            <a:r>
+              <a:rPr lang="en-US" sz="2000" b="1" dirty="0">
+                <a:hlinkClick r:id="rId2"/>
+              </a:rPr>
+              <a:t>css-grid-7d903a6c678e</a:t>
+            </a:r>
+            <a:endParaRPr lang="en-US" sz="2000" b="1" dirty="0"/>
+          </a:p>
+        </p:txBody>
+      </p:sp>
+      <p:pic>
+        <p:nvPicPr>
+          <p:cNvPr id="1026" name="Picture 2">
+            <a:extLst>
+              <a:ext uri="{FF2B5EF4-FFF2-40B4-BE49-F238E27FC236}">
+                <a16:creationId xmlns:a16="http://schemas.microsoft.com/office/drawing/2014/main" id="{56254579-8939-E968-2247-0DE1C93D1E1F}"/>
+              </a:ext>
+            </a:extLst>
+          </p:cNvPr>
+          <p:cNvPicPr>
+            <a:picLocks noChangeAspect="1" noChangeArrowheads="1"/>
+          </p:cNvPicPr>
+          <p:nvPr/>
+        </p:nvPicPr>
+        <p:blipFill rotWithShape="1">
+          <a:blip r:embed="rId3">
+            <a:extLst>
+              <a:ext uri="{28A0092B-C50C-407E-A947-70E740481C1C}">
+                <a14:useLocalDpi xmlns:a14="http://schemas.microsoft.com/office/drawing/2010/main" val="0"/>
+              </a:ext>
+            </a:extLst>
+          </a:blip>
+          <a:srcRect l="3341" t="18038" r="2160" b="13352"/>
+          <a:stretch/>
+        </p:blipFill>
+        <p:spPr bwMode="auto">
+          <a:xfrm>
+            <a:off x="1333803" y="1725862"/>
+            <a:ext cx="10155427" cy="3406276"/>
+          </a:xfrm>
+          <a:prstGeom prst="rect">
+            <a:avLst/>
+          </a:prstGeom>
+          <a:noFill/>
+          <a:extLst>
+            <a:ext uri="{909E8E84-426E-40DD-AFC4-6F175D3DCCD1}">
+              <a14:hiddenFill xmlns:a14="http://schemas.microsoft.com/office/drawing/2010/main">
+                <a:solidFill>
+                  <a:srgbClr val="FFFFFF"/>
+                </a:solidFill>
+              </a14:hiddenFill>
+            </a:ext>
+          </a:extLst>
+        </p:spPr>
+      </p:pic>
     </p:spTree>
+    <p:extLst>
+      <p:ext uri="{BB962C8B-B14F-4D97-AF65-F5344CB8AC3E}">
+        <p14:creationId xmlns:p14="http://schemas.microsoft.com/office/powerpoint/2010/main" val="3281285070"/>
+      </p:ext>
+    </p:extLst>
   </p:cSld>
   <p:clrMapOvr>
     <a:masterClrMapping/>
@@ -6736,196 +6957,54 @@
       </p:grpSpPr>
       <p:sp>
         <p:nvSpPr>
-          <p:cNvPr id="4" name="Номер слайда 36"/>
-          <p:cNvSpPr txBox="1">
-            <a:spLocks/>
-          </p:cNvSpPr>
+          <p:cNvPr id="5" name="Прямоугольник 4"/>
+          <p:cNvSpPr/>
           <p:nvPr/>
         </p:nvSpPr>
         <p:spPr>
           <a:xfrm>
-            <a:off x="11208568" y="6105299"/>
-            <a:ext cx="648072" cy="432048"/>
-          </a:xfrm>
-          <a:prstGeom prst="roundRect">
+            <a:off x="0" y="0"/>
+            <a:ext cx="12192000" cy="6858000"/>
+          </a:xfrm>
+          <a:prstGeom prst="rect">
             <a:avLst/>
           </a:prstGeom>
-          <a:ln w="25400" cap="flat" cmpd="sng" algn="ctr">
-            <a:solidFill>
-              <a:schemeClr val="tx2">
-                <a:lumMod val="60000"/>
-                <a:lumOff val="40000"/>
-              </a:schemeClr>
-            </a:solidFill>
-            <a:prstDash val="solid"/>
-          </a:ln>
+          <a:solidFill>
+            <a:schemeClr val="tx2">
+              <a:lumMod val="75000"/>
+            </a:schemeClr>
+          </a:solidFill>
         </p:spPr>
         <p:style>
           <a:lnRef idx="2">
-            <a:schemeClr val="accent1"/>
+            <a:schemeClr val="accent1">
+              <a:shade val="50000"/>
+            </a:schemeClr>
           </a:lnRef>
           <a:fillRef idx="1">
-            <a:schemeClr val="lt1"/>
+            <a:schemeClr val="accent1"/>
           </a:fillRef>
           <a:effectRef idx="0">
             <a:schemeClr val="accent1"/>
           </a:effectRef>
           <a:fontRef idx="minor">
-            <a:schemeClr val="dk1"/>
+            <a:schemeClr val="lt1"/>
           </a:fontRef>
         </p:style>
         <p:txBody>
-          <a:bodyPr vert="horz" lIns="91440" tIns="45720" rIns="91440" bIns="45720" rtlCol="0" anchor="ctr"/>
-          <a:lstStyle/>
-          <a:p>
-            <a:pPr algn="ctr">
-              <a:defRPr/>
-            </a:pPr>
-            <a:fld id="{6389AA22-90B4-448C-8B6B-C699140D38B9}" type="slidenum">
-              <a:rPr lang="uk-UA" sz="2400" b="1">
-                <a:solidFill>
-                  <a:schemeClr val="bg1">
-                    <a:lumMod val="50000"/>
-                  </a:schemeClr>
-                </a:solidFill>
-              </a:rPr>
-              <a:pPr algn="ctr">
-                <a:defRPr/>
-              </a:pPr>
-              <a:t>22</a:t>
-            </a:fld>
-            <a:endParaRPr lang="uk-UA" sz="2400" b="1" dirty="0">
-              <a:solidFill>
-                <a:schemeClr val="bg1">
-                  <a:lumMod val="50000"/>
-                </a:schemeClr>
-              </a:solidFill>
-            </a:endParaRPr>
-          </a:p>
-        </p:txBody>
-      </p:sp>
-      <p:sp>
-        <p:nvSpPr>
-          <p:cNvPr id="6" name="TextBox 5"/>
-          <p:cNvSpPr txBox="1"/>
-          <p:nvPr/>
-        </p:nvSpPr>
-        <p:spPr>
-          <a:xfrm>
-            <a:off x="0" y="260648"/>
-            <a:ext cx="12192000" cy="707886"/>
-          </a:xfrm>
-          <a:prstGeom prst="rect">
-            <a:avLst/>
-          </a:prstGeom>
-          <a:noFill/>
-        </p:spPr>
-        <p:txBody>
-          <a:bodyPr wrap="square" rtlCol="0">
-            <a:spAutoFit/>
-          </a:bodyPr>
+          <a:bodyPr rtlCol="0" anchor="ctr"/>
           <a:lstStyle/>
           <a:p>
             <a:pPr algn="ctr"/>
             <a:r>
-              <a:rPr lang="ru-RU" sz="4000" b="1" dirty="0"/>
-              <a:t>Пройти игру</a:t>
-            </a:r>
-            <a:r>
-              <a:rPr lang="en-US" sz="4000" b="1" dirty="0"/>
-              <a:t> </a:t>
-            </a:r>
-            <a:r>
-              <a:rPr lang="ru-RU" sz="4000" b="1" dirty="0"/>
-              <a:t>по </a:t>
-            </a:r>
-            <a:r>
-              <a:rPr lang="en-US" sz="4000" b="1" dirty="0"/>
-              <a:t>CSS Grid</a:t>
-            </a:r>
-            <a:r>
-              <a:rPr lang="ru-RU" sz="4000" b="1" dirty="0"/>
-              <a:t>!</a:t>
-            </a:r>
-          </a:p>
-        </p:txBody>
-      </p:sp>
-      <p:sp>
-        <p:nvSpPr>
-          <p:cNvPr id="10" name="Прямоугольник 9"/>
-          <p:cNvSpPr/>
-          <p:nvPr/>
-        </p:nvSpPr>
-        <p:spPr>
-          <a:xfrm>
-            <a:off x="0" y="5798103"/>
-            <a:ext cx="12192000" cy="523220"/>
-          </a:xfrm>
-          <a:prstGeom prst="rect">
-            <a:avLst/>
-          </a:prstGeom>
-        </p:spPr>
-        <p:txBody>
-          <a:bodyPr wrap="square">
-            <a:spAutoFit/>
-          </a:bodyPr>
-          <a:lstStyle/>
-          <a:p>
-            <a:pPr algn="ctr"/>
-            <a:r>
-              <a:rPr lang="en-US" sz="2800" b="1" dirty="0">
-                <a:hlinkClick r:id="rId2"/>
-              </a:rPr>
-              <a:t>https://cssgridgarden.com/</a:t>
-            </a:r>
-            <a:endParaRPr lang="ru-RU" sz="2800" b="1" dirty="0"/>
-          </a:p>
-        </p:txBody>
-      </p:sp>
-      <p:pic>
-        <p:nvPicPr>
-          <p:cNvPr id="3" name="Рисунок 2"/>
-          <p:cNvPicPr>
-            <a:picLocks noChangeAspect="1"/>
-          </p:cNvPicPr>
-          <p:nvPr/>
-        </p:nvPicPr>
-        <p:blipFill>
-          <a:blip r:embed="rId3"/>
-          <a:stretch>
-            <a:fillRect/>
-          </a:stretch>
-        </p:blipFill>
-        <p:spPr>
-          <a:xfrm>
-            <a:off x="1686433" y="1231942"/>
-            <a:ext cx="8819134" cy="4292664"/>
-          </a:xfrm>
-          <a:prstGeom prst="rect">
-            <a:avLst/>
-          </a:prstGeom>
-          <a:ln w="19050">
-            <a:solidFill>
-              <a:schemeClr val="bg1">
-                <a:lumMod val="75000"/>
-              </a:schemeClr>
-            </a:solidFill>
-          </a:ln>
-          <a:effectLst>
-            <a:outerShdw blurRad="292100" dist="139700" dir="2700000" algn="tl" rotWithShape="0">
-              <a:srgbClr val="333333">
-                <a:alpha val="65000"/>
-              </a:srgbClr>
-            </a:outerShdw>
-          </a:effectLst>
-        </p:spPr>
-      </p:pic>
+              <a:rPr lang="ru-RU" sz="6000" b="1" dirty="0"/>
+              <a:t>Домашнее задание</a:t>
+            </a:r>
+            <a:endParaRPr lang="uk-UA" sz="6000" b="1" dirty="0"/>
+          </a:p>
+        </p:txBody>
+      </p:sp>
     </p:spTree>
-    <p:extLst>
-      <p:ext uri="{BB962C8B-B14F-4D97-AF65-F5344CB8AC3E}">
-        <p14:creationId xmlns:p14="http://schemas.microsoft.com/office/powerpoint/2010/main" val="2752128066"/>
-      </p:ext>
-    </p:extLst>
   </p:cSld>
   <p:clrMapOvr>
     <a:masterClrMapping/>
@@ -6960,7 +7039,7 @@
         </p:nvSpPr>
         <p:spPr>
           <a:xfrm>
-            <a:off x="11136560" y="6165304"/>
+            <a:off x="11208568" y="6105299"/>
             <a:ext cx="648072" cy="432048"/>
           </a:xfrm>
           <a:prstGeom prst="roundRect">
@@ -7022,14 +7101,14 @@
       </p:sp>
       <p:sp>
         <p:nvSpPr>
-          <p:cNvPr id="2" name="TextBox 1"/>
+          <p:cNvPr id="6" name="TextBox 5"/>
           <p:cNvSpPr txBox="1"/>
           <p:nvPr/>
         </p:nvSpPr>
         <p:spPr>
           <a:xfrm>
-            <a:off x="6095721" y="1916832"/>
-            <a:ext cx="5040839" cy="707886"/>
+            <a:off x="0" y="260648"/>
+            <a:ext cx="12192000" cy="707886"/>
           </a:xfrm>
           <a:prstGeom prst="rect">
             <a:avLst/>
@@ -7042,194 +7121,104 @@
           </a:bodyPr>
           <a:lstStyle/>
           <a:p>
+            <a:pPr algn="ctr"/>
             <a:r>
               <a:rPr lang="ru-RU" sz="4000" b="1" dirty="0"/>
-              <a:t>Домашнее задание</a:t>
-            </a:r>
-            <a:endParaRPr lang="uk-UA" sz="4000" b="1" dirty="0"/>
-          </a:p>
-        </p:txBody>
-      </p:sp>
-      <p:sp>
-        <p:nvSpPr>
-          <p:cNvPr id="3" name="TextBox 2"/>
-          <p:cNvSpPr txBox="1"/>
+              <a:t>Пройти игру</a:t>
+            </a:r>
+            <a:r>
+              <a:rPr lang="en-US" sz="4000" b="1" dirty="0"/>
+              <a:t> </a:t>
+            </a:r>
+            <a:r>
+              <a:rPr lang="ru-RU" sz="4000" b="1" dirty="0"/>
+              <a:t>по </a:t>
+            </a:r>
+            <a:r>
+              <a:rPr lang="en-US" sz="4000" b="1" dirty="0"/>
+              <a:t>CSS Grid</a:t>
+            </a:r>
+            <a:r>
+              <a:rPr lang="ru-RU" sz="4000" b="1" dirty="0"/>
+              <a:t>!</a:t>
+            </a:r>
+          </a:p>
+        </p:txBody>
+      </p:sp>
+      <p:sp>
+        <p:nvSpPr>
+          <p:cNvPr id="10" name="Прямоугольник 9"/>
+          <p:cNvSpPr/>
           <p:nvPr/>
         </p:nvSpPr>
         <p:spPr>
           <a:xfrm>
-            <a:off x="6095721" y="3036004"/>
-            <a:ext cx="3884121" cy="954107"/>
+            <a:off x="0" y="5798103"/>
+            <a:ext cx="12192000" cy="523220"/>
           </a:xfrm>
           <a:prstGeom prst="rect">
             <a:avLst/>
           </a:prstGeom>
-          <a:noFill/>
-        </p:spPr>
-        <p:txBody>
-          <a:bodyPr wrap="square" rtlCol="0">
+        </p:spPr>
+        <p:txBody>
+          <a:bodyPr wrap="square">
             <a:spAutoFit/>
           </a:bodyPr>
           <a:lstStyle/>
           <a:p>
-            <a:r>
-              <a:rPr lang="en-US" sz="2800" b="1" dirty="0"/>
-              <a:t>CSS Grid </a:t>
-            </a:r>
-            <a:r>
-              <a:rPr lang="ru-RU" sz="2800" dirty="0"/>
-              <a:t>и </a:t>
-            </a:r>
-            <a:r>
-              <a:rPr lang="en-US" sz="2800" b="1" dirty="0" err="1"/>
-              <a:t>Bootsrap</a:t>
-            </a:r>
-            <a:r>
-              <a:rPr lang="en-US" sz="2800" b="1" dirty="0"/>
-              <a:t> </a:t>
-            </a:r>
-            <a:r>
-              <a:rPr lang="ru-RU" sz="2800" dirty="0"/>
-              <a:t>вам в помощь…</a:t>
-            </a:r>
-            <a:endParaRPr lang="uk-UA" sz="2800" dirty="0"/>
+            <a:pPr algn="ctr"/>
+            <a:r>
+              <a:rPr lang="en-US" sz="2800" b="1" dirty="0">
+                <a:hlinkClick r:id="rId2"/>
+              </a:rPr>
+              <a:t>https://cssgridgarden.com/</a:t>
+            </a:r>
+            <a:endParaRPr lang="ru-RU" sz="2800" b="1" dirty="0"/>
           </a:p>
         </p:txBody>
       </p:sp>
       <p:pic>
         <p:nvPicPr>
-          <p:cNvPr id="8" name="Рисунок 7"/>
+          <p:cNvPr id="3" name="Рисунок 2"/>
           <p:cNvPicPr>
             <a:picLocks noChangeAspect="1"/>
           </p:cNvPicPr>
           <p:nvPr/>
         </p:nvPicPr>
-        <p:blipFill rotWithShape="1">
-          <a:blip r:embed="rId2" cstate="print">
-            <a:extLst>
-              <a:ext uri="{28A0092B-C50C-407E-A947-70E740481C1C}">
-                <a14:useLocalDpi xmlns:a14="http://schemas.microsoft.com/office/drawing/2010/main" val="0"/>
-              </a:ext>
-            </a:extLst>
-          </a:blip>
-          <a:srcRect l="14715" t="9826" r="15200" b="19610"/>
-          <a:stretch/>
+        <p:blipFill>
+          <a:blip r:embed="rId3"/>
+          <a:stretch>
+            <a:fillRect/>
+          </a:stretch>
         </p:blipFill>
         <p:spPr>
           <a:xfrm>
-            <a:off x="3664" y="0"/>
-            <a:ext cx="4708478" cy="6858000"/>
+            <a:off x="1686433" y="1231942"/>
+            <a:ext cx="8819134" cy="4292664"/>
           </a:xfrm>
           <a:prstGeom prst="rect">
             <a:avLst/>
           </a:prstGeom>
-          <a:ln>
-            <a:noFill/>
+          <a:ln w="19050">
+            <a:solidFill>
+              <a:schemeClr val="bg1">
+                <a:lumMod val="75000"/>
+              </a:schemeClr>
+            </a:solidFill>
           </a:ln>
           <a:effectLst>
-            <a:outerShdw blurRad="190500" algn="tl" rotWithShape="0">
-              <a:srgbClr val="000000">
-                <a:alpha val="70000"/>
+            <a:outerShdw blurRad="292100" dist="139700" dir="2700000" algn="tl" rotWithShape="0">
+              <a:srgbClr val="333333">
+                <a:alpha val="65000"/>
               </a:srgbClr>
             </a:outerShdw>
           </a:effectLst>
         </p:spPr>
       </p:pic>
-      <p:sp>
-        <p:nvSpPr>
-          <p:cNvPr id="7" name="TextBox 6"/>
-          <p:cNvSpPr txBox="1"/>
-          <p:nvPr/>
-        </p:nvSpPr>
-        <p:spPr>
-          <a:xfrm>
-            <a:off x="6095721" y="4401398"/>
-            <a:ext cx="4968552" cy="707886"/>
-          </a:xfrm>
-          <a:prstGeom prst="rect">
-            <a:avLst/>
-          </a:prstGeom>
-          <a:noFill/>
-        </p:spPr>
-        <p:txBody>
-          <a:bodyPr wrap="square" rtlCol="0">
-            <a:spAutoFit/>
-          </a:bodyPr>
-          <a:lstStyle/>
-          <a:p>
-            <a:r>
-              <a:rPr lang="ru-RU" sz="2000" b="1" dirty="0">
-                <a:solidFill>
-                  <a:schemeClr val="accent6">
-                    <a:lumMod val="75000"/>
-                  </a:schemeClr>
-                </a:solidFill>
-              </a:rPr>
-              <a:t>Макет</a:t>
-            </a:r>
-            <a:r>
-              <a:rPr lang="ru-RU" sz="2000" dirty="0"/>
-              <a:t> доступен </a:t>
-            </a:r>
-            <a:r>
-              <a:rPr lang="ru-RU" sz="2000" b="1" dirty="0">
-                <a:solidFill>
-                  <a:srgbClr val="00B050"/>
-                </a:solidFill>
-              </a:rPr>
-              <a:t>в </a:t>
-            </a:r>
-            <a:r>
-              <a:rPr lang="ru-RU" sz="2000" b="1" dirty="0" err="1">
-                <a:solidFill>
-                  <a:srgbClr val="00B050"/>
-                </a:solidFill>
-              </a:rPr>
-              <a:t>репозитории</a:t>
-            </a:r>
-            <a:r>
-              <a:rPr lang="ru-RU" sz="2000" b="1" dirty="0">
-                <a:solidFill>
-                  <a:srgbClr val="00B050"/>
-                </a:solidFill>
-              </a:rPr>
-              <a:t> </a:t>
-            </a:r>
-            <a:r>
-              <a:rPr lang="ru-RU" sz="2000" dirty="0"/>
-              <a:t>занятия, в каталоге </a:t>
-            </a:r>
-            <a:r>
-              <a:rPr lang="en-US" sz="2000" b="1" dirty="0">
-                <a:solidFill>
-                  <a:srgbClr val="00B0F0"/>
-                </a:solidFill>
-              </a:rPr>
-              <a:t>./</a:t>
-            </a:r>
-            <a:r>
-              <a:rPr lang="en-US" sz="2000" b="1" dirty="0" err="1">
-                <a:solidFill>
-                  <a:srgbClr val="00B0F0"/>
-                </a:solidFill>
-              </a:rPr>
-              <a:t>src</a:t>
-            </a:r>
-            <a:r>
-              <a:rPr lang="en-US" sz="2000" b="1" dirty="0">
-                <a:solidFill>
-                  <a:srgbClr val="00B0F0"/>
-                </a:solidFill>
-              </a:rPr>
-              <a:t>/homework-layout</a:t>
-            </a:r>
-          </a:p>
-        </p:txBody>
-      </p:sp>
     </p:spTree>
     <p:extLst>
       <p:ext uri="{BB962C8B-B14F-4D97-AF65-F5344CB8AC3E}">
-        <p14:creationId xmlns:p14="http://schemas.microsoft.com/office/powerpoint/2010/main" val="1687862765"/>
+        <p14:creationId xmlns:p14="http://schemas.microsoft.com/office/powerpoint/2010/main" val="2752128066"/>
       </p:ext>
     </p:extLst>
   </p:cSld>
@@ -7326,9 +7315,85 @@
           </a:p>
         </p:txBody>
       </p:sp>
+      <p:sp>
+        <p:nvSpPr>
+          <p:cNvPr id="2" name="TextBox 1"/>
+          <p:cNvSpPr txBox="1"/>
+          <p:nvPr/>
+        </p:nvSpPr>
+        <p:spPr>
+          <a:xfrm>
+            <a:off x="6095721" y="1916832"/>
+            <a:ext cx="5040839" cy="707886"/>
+          </a:xfrm>
+          <a:prstGeom prst="rect">
+            <a:avLst/>
+          </a:prstGeom>
+          <a:noFill/>
+        </p:spPr>
+        <p:txBody>
+          <a:bodyPr wrap="square" rtlCol="0">
+            <a:spAutoFit/>
+          </a:bodyPr>
+          <a:lstStyle/>
+          <a:p>
+            <a:r>
+              <a:rPr lang="ru-RU" sz="4000" b="1" dirty="0"/>
+              <a:t>Домашнее задание</a:t>
+            </a:r>
+            <a:endParaRPr lang="uk-UA" sz="4000" b="1" dirty="0"/>
+          </a:p>
+        </p:txBody>
+      </p:sp>
+      <p:sp>
+        <p:nvSpPr>
+          <p:cNvPr id="3" name="TextBox 2"/>
+          <p:cNvSpPr txBox="1"/>
+          <p:nvPr/>
+        </p:nvSpPr>
+        <p:spPr>
+          <a:xfrm>
+            <a:off x="6095721" y="3036004"/>
+            <a:ext cx="3884121" cy="954107"/>
+          </a:xfrm>
+          <a:prstGeom prst="rect">
+            <a:avLst/>
+          </a:prstGeom>
+          <a:noFill/>
+        </p:spPr>
+        <p:txBody>
+          <a:bodyPr wrap="square" rtlCol="0">
+            <a:spAutoFit/>
+          </a:bodyPr>
+          <a:lstStyle/>
+          <a:p>
+            <a:r>
+              <a:rPr lang="en-US" sz="2800" b="1" dirty="0"/>
+              <a:t>CSS Grid </a:t>
+            </a:r>
+            <a:r>
+              <a:rPr lang="ru-RU" sz="2800" dirty="0"/>
+              <a:t>и </a:t>
+            </a:r>
+            <a:r>
+              <a:rPr lang="en-US" sz="2800" b="1" dirty="0" err="1"/>
+              <a:t>Bootsrap</a:t>
+            </a:r>
+            <a:r>
+              <a:rPr lang="en-US" sz="2800" b="1" dirty="0"/>
+              <a:t> </a:t>
+            </a:r>
+            <a:r>
+              <a:rPr lang="ru-RU" sz="2800" dirty="0"/>
+              <a:t>вам в помощь…</a:t>
+            </a:r>
+            <a:endParaRPr lang="uk-UA" sz="2800" dirty="0"/>
+          </a:p>
+        </p:txBody>
+      </p:sp>
       <p:pic>
         <p:nvPicPr>
-          <p:cNvPr id="5" name="Рисунок 4"/>
+          <p:cNvPr id="8" name="Рисунок 7"/>
           <p:cNvPicPr>
             <a:picLocks noChangeAspect="1"/>
           </p:cNvPicPr>
@@ -7342,13 +7407,13 @@
               </a:ext>
             </a:extLst>
           </a:blip>
-          <a:srcRect l="7096" r="7582"/>
+          <a:srcRect l="14715" t="9826" r="15200" b="19610"/>
           <a:stretch/>
         </p:blipFill>
         <p:spPr>
           <a:xfrm>
-            <a:off x="1" y="1"/>
-            <a:ext cx="4063288" cy="6858000"/>
+            <a:off x="3664" y="0"/>
+            <a:ext cx="4708478" cy="6858000"/>
           </a:xfrm>
           <a:prstGeom prst="rect">
             <a:avLst/>
@@ -7367,128 +7432,13 @@
       </p:pic>
       <p:sp>
         <p:nvSpPr>
-          <p:cNvPr id="10" name="TextBox 9"/>
+          <p:cNvPr id="7" name="TextBox 6"/>
           <p:cNvSpPr txBox="1"/>
           <p:nvPr/>
         </p:nvSpPr>
         <p:spPr>
           <a:xfrm>
-            <a:off x="5663952" y="1124744"/>
-            <a:ext cx="5400600" cy="1292662"/>
-          </a:xfrm>
-          <a:prstGeom prst="rect">
-            <a:avLst/>
-          </a:prstGeom>
-          <a:noFill/>
-        </p:spPr>
-        <p:txBody>
-          <a:bodyPr wrap="square" rtlCol="0">
-            <a:spAutoFit/>
-          </a:bodyPr>
-          <a:lstStyle/>
-          <a:p>
-            <a:r>
-              <a:rPr lang="ru-RU" sz="4000" b="1" dirty="0"/>
-              <a:t>Домашнее задание</a:t>
-            </a:r>
-            <a:r>
-              <a:rPr lang="en-US" sz="4000" b="1" dirty="0"/>
-              <a:t> </a:t>
-            </a:r>
-            <a:r>
-              <a:rPr lang="en-US" sz="5400" b="1" dirty="0">
-                <a:solidFill>
-                  <a:schemeClr val="accent6">
-                    <a:lumMod val="75000"/>
-                  </a:schemeClr>
-                </a:solidFill>
-              </a:rPr>
-              <a:t>++</a:t>
-            </a:r>
-            <a:endParaRPr lang="ru-RU" sz="5400" b="1" dirty="0">
-              <a:solidFill>
-                <a:schemeClr val="accent6">
-                  <a:lumMod val="75000"/>
-                </a:schemeClr>
-              </a:solidFill>
-            </a:endParaRPr>
-          </a:p>
-          <a:p>
-            <a:r>
-              <a:rPr lang="ru-RU" sz="2400" b="1" dirty="0">
-                <a:solidFill>
-                  <a:schemeClr val="bg1">
-                    <a:lumMod val="50000"/>
-                  </a:schemeClr>
-                </a:solidFill>
-              </a:rPr>
-              <a:t>(полная версия страницы)</a:t>
-            </a:r>
-            <a:endParaRPr lang="uk-UA" sz="2400" b="1" dirty="0">
-              <a:solidFill>
-                <a:schemeClr val="bg1">
-                  <a:lumMod val="50000"/>
-                </a:schemeClr>
-              </a:solidFill>
-            </a:endParaRPr>
-          </a:p>
-        </p:txBody>
-      </p:sp>
-      <p:sp>
-        <p:nvSpPr>
-          <p:cNvPr id="11" name="TextBox 10"/>
-          <p:cNvSpPr txBox="1"/>
-          <p:nvPr/>
-        </p:nvSpPr>
-        <p:spPr>
-          <a:xfrm>
-            <a:off x="5663952" y="2819980"/>
-            <a:ext cx="3884121" cy="954107"/>
-          </a:xfrm>
-          <a:prstGeom prst="rect">
-            <a:avLst/>
-          </a:prstGeom>
-          <a:noFill/>
-        </p:spPr>
-        <p:txBody>
-          <a:bodyPr wrap="square" rtlCol="0">
-            <a:spAutoFit/>
-          </a:bodyPr>
-          <a:lstStyle/>
-          <a:p>
-            <a:r>
-              <a:rPr lang="en-US" sz="2800" b="1" dirty="0"/>
-              <a:t>CSS Grid </a:t>
-            </a:r>
-            <a:r>
-              <a:rPr lang="ru-RU" sz="2800" dirty="0"/>
-              <a:t>и </a:t>
-            </a:r>
-            <a:r>
-              <a:rPr lang="en-US" sz="2800" b="1" dirty="0" err="1"/>
-              <a:t>Bootsrap</a:t>
-            </a:r>
-            <a:r>
-              <a:rPr lang="en-US" sz="2800" b="1" dirty="0"/>
-              <a:t> </a:t>
-            </a:r>
-            <a:r>
-              <a:rPr lang="ru-RU" sz="2800" dirty="0"/>
-              <a:t>вам в помощь…</a:t>
-            </a:r>
-            <a:endParaRPr lang="uk-UA" sz="2800" dirty="0"/>
-          </a:p>
-        </p:txBody>
-      </p:sp>
-      <p:sp>
-        <p:nvSpPr>
-          <p:cNvPr id="12" name="TextBox 11"/>
-          <p:cNvSpPr txBox="1"/>
-          <p:nvPr/>
-        </p:nvSpPr>
-        <p:spPr>
-          <a:xfrm>
-            <a:off x="5663952" y="4185374"/>
+            <a:off x="6095721" y="4401398"/>
             <a:ext cx="4968552" cy="707886"/>
           </a:xfrm>
           <a:prstGeom prst="rect">
@@ -7574,7 +7524,7 @@
     </p:spTree>
     <p:extLst>
       <p:ext uri="{BB962C8B-B14F-4D97-AF65-F5344CB8AC3E}">
-        <p14:creationId xmlns:p14="http://schemas.microsoft.com/office/powerpoint/2010/main" val="1516391349"/>
+        <p14:creationId xmlns:p14="http://schemas.microsoft.com/office/powerpoint/2010/main" val="1687862765"/>
       </p:ext>
     </p:extLst>
   </p:cSld>
@@ -7603,57 +7553,323 @@
       </p:grpSpPr>
       <p:sp>
         <p:nvSpPr>
-          <p:cNvPr id="5" name="Прямоугольник 4"/>
-          <p:cNvSpPr/>
+          <p:cNvPr id="4" name="Номер слайда 36"/>
+          <p:cNvSpPr txBox="1">
+            <a:spLocks/>
+          </p:cNvSpPr>
           <p:nvPr/>
         </p:nvSpPr>
         <p:spPr>
           <a:xfrm>
-            <a:off x="0" y="0"/>
-            <a:ext cx="12192000" cy="6858000"/>
-          </a:xfrm>
-          <a:prstGeom prst="rect">
+            <a:off x="11136560" y="6165304"/>
+            <a:ext cx="648072" cy="432048"/>
+          </a:xfrm>
+          <a:prstGeom prst="roundRect">
             <a:avLst/>
           </a:prstGeom>
-          <a:solidFill>
-            <a:schemeClr val="tx2">
-              <a:lumMod val="75000"/>
-            </a:schemeClr>
-          </a:solidFill>
+          <a:ln w="25400" cap="flat" cmpd="sng" algn="ctr">
+            <a:solidFill>
+              <a:schemeClr val="tx2">
+                <a:lumMod val="60000"/>
+                <a:lumOff val="40000"/>
+              </a:schemeClr>
+            </a:solidFill>
+            <a:prstDash val="solid"/>
+          </a:ln>
         </p:spPr>
         <p:style>
           <a:lnRef idx="2">
-            <a:schemeClr val="accent1">
-              <a:shade val="50000"/>
-            </a:schemeClr>
+            <a:schemeClr val="accent1"/>
           </a:lnRef>
           <a:fillRef idx="1">
-            <a:schemeClr val="accent1"/>
+            <a:schemeClr val="lt1"/>
           </a:fillRef>
           <a:effectRef idx="0">
             <a:schemeClr val="accent1"/>
           </a:effectRef>
           <a:fontRef idx="minor">
-            <a:schemeClr val="lt1"/>
+            <a:schemeClr val="dk1"/>
           </a:fontRef>
         </p:style>
         <p:txBody>
-          <a:bodyPr rtlCol="0" anchor="ctr"/>
-          <a:lstStyle/>
-          <a:p>
-            <a:pPr algn="ctr"/>
-            <a:r>
-              <a:rPr lang="ru-RU" sz="6600" b="1" dirty="0"/>
-              <a:t>На следующем занятии</a:t>
-            </a:r>
-            <a:endParaRPr lang="uk-UA" sz="6600" b="1" dirty="0"/>
+          <a:bodyPr vert="horz" lIns="91440" tIns="45720" rIns="91440" bIns="45720" rtlCol="0" anchor="ctr"/>
+          <a:lstStyle/>
+          <a:p>
+            <a:pPr algn="ctr">
+              <a:defRPr/>
+            </a:pPr>
+            <a:fld id="{6389AA22-90B4-448C-8B6B-C699140D38B9}" type="slidenum">
+              <a:rPr lang="uk-UA" sz="2400" b="1">
+                <a:solidFill>
+                  <a:schemeClr val="bg1">
+                    <a:lumMod val="50000"/>
+                  </a:schemeClr>
+                </a:solidFill>
+              </a:rPr>
+              <a:pPr algn="ctr">
+                <a:defRPr/>
+              </a:pPr>
+              <a:t>25</a:t>
+            </a:fld>
+            <a:endParaRPr lang="uk-UA" sz="2400" b="1" dirty="0">
+              <a:solidFill>
+                <a:schemeClr val="bg1">
+                  <a:lumMod val="50000"/>
+                </a:schemeClr>
+              </a:solidFill>
+            </a:endParaRPr>
+          </a:p>
+        </p:txBody>
+      </p:sp>
+      <p:pic>
+        <p:nvPicPr>
+          <p:cNvPr id="5" name="Рисунок 4"/>
+          <p:cNvPicPr>
+            <a:picLocks noChangeAspect="1"/>
+          </p:cNvPicPr>
+          <p:nvPr/>
+        </p:nvPicPr>
+        <p:blipFill rotWithShape="1">
+          <a:blip r:embed="rId2" cstate="print">
+            <a:extLst>
+              <a:ext uri="{28A0092B-C50C-407E-A947-70E740481C1C}">
+                <a14:useLocalDpi xmlns:a14="http://schemas.microsoft.com/office/drawing/2010/main" val="0"/>
+              </a:ext>
+            </a:extLst>
+          </a:blip>
+          <a:srcRect l="7096" r="7582"/>
+          <a:stretch/>
+        </p:blipFill>
+        <p:spPr>
+          <a:xfrm>
+            <a:off x="1" y="1"/>
+            <a:ext cx="4063288" cy="6858000"/>
+          </a:xfrm>
+          <a:prstGeom prst="rect">
+            <a:avLst/>
+          </a:prstGeom>
+          <a:ln>
+            <a:noFill/>
+          </a:ln>
+          <a:effectLst>
+            <a:outerShdw blurRad="190500" algn="tl" rotWithShape="0">
+              <a:srgbClr val="000000">
+                <a:alpha val="70000"/>
+              </a:srgbClr>
+            </a:outerShdw>
+          </a:effectLst>
+        </p:spPr>
+      </p:pic>
+      <p:sp>
+        <p:nvSpPr>
+          <p:cNvPr id="10" name="TextBox 9"/>
+          <p:cNvSpPr txBox="1"/>
+          <p:nvPr/>
+        </p:nvSpPr>
+        <p:spPr>
+          <a:xfrm>
+            <a:off x="5663952" y="1124744"/>
+            <a:ext cx="5400600" cy="1292662"/>
+          </a:xfrm>
+          <a:prstGeom prst="rect">
+            <a:avLst/>
+          </a:prstGeom>
+          <a:noFill/>
+        </p:spPr>
+        <p:txBody>
+          <a:bodyPr wrap="square" rtlCol="0">
+            <a:spAutoFit/>
+          </a:bodyPr>
+          <a:lstStyle/>
+          <a:p>
+            <a:r>
+              <a:rPr lang="ru-RU" sz="4000" b="1" dirty="0"/>
+              <a:t>Домашнее задание</a:t>
+            </a:r>
+            <a:r>
+              <a:rPr lang="en-US" sz="4000" b="1" dirty="0"/>
+              <a:t> </a:t>
+            </a:r>
+            <a:r>
+              <a:rPr lang="en-US" sz="5400" b="1" dirty="0">
+                <a:solidFill>
+                  <a:schemeClr val="accent6">
+                    <a:lumMod val="75000"/>
+                  </a:schemeClr>
+                </a:solidFill>
+              </a:rPr>
+              <a:t>++</a:t>
+            </a:r>
+            <a:endParaRPr lang="ru-RU" sz="5400" b="1" dirty="0">
+              <a:solidFill>
+                <a:schemeClr val="accent6">
+                  <a:lumMod val="75000"/>
+                </a:schemeClr>
+              </a:solidFill>
+            </a:endParaRPr>
+          </a:p>
+          <a:p>
+            <a:r>
+              <a:rPr lang="ru-RU" sz="2400" b="1" dirty="0">
+                <a:solidFill>
+                  <a:schemeClr val="bg1">
+                    <a:lumMod val="50000"/>
+                  </a:schemeClr>
+                </a:solidFill>
+              </a:rPr>
+              <a:t>(полная версия страницы)</a:t>
+            </a:r>
+            <a:endParaRPr lang="uk-UA" sz="2400" b="1" dirty="0">
+              <a:solidFill>
+                <a:schemeClr val="bg1">
+                  <a:lumMod val="50000"/>
+                </a:schemeClr>
+              </a:solidFill>
+            </a:endParaRPr>
+          </a:p>
+        </p:txBody>
+      </p:sp>
+      <p:sp>
+        <p:nvSpPr>
+          <p:cNvPr id="11" name="TextBox 10"/>
+          <p:cNvSpPr txBox="1"/>
+          <p:nvPr/>
+        </p:nvSpPr>
+        <p:spPr>
+          <a:xfrm>
+            <a:off x="5663952" y="2819980"/>
+            <a:ext cx="3884121" cy="954107"/>
+          </a:xfrm>
+          <a:prstGeom prst="rect">
+            <a:avLst/>
+          </a:prstGeom>
+          <a:noFill/>
+        </p:spPr>
+        <p:txBody>
+          <a:bodyPr wrap="square" rtlCol="0">
+            <a:spAutoFit/>
+          </a:bodyPr>
+          <a:lstStyle/>
+          <a:p>
+            <a:r>
+              <a:rPr lang="en-US" sz="2800" b="1" dirty="0"/>
+              <a:t>CSS Grid </a:t>
+            </a:r>
+            <a:r>
+              <a:rPr lang="ru-RU" sz="2800" dirty="0"/>
+              <a:t>и </a:t>
+            </a:r>
+            <a:r>
+              <a:rPr lang="en-US" sz="2800" b="1" dirty="0" err="1"/>
+              <a:t>Bootsrap</a:t>
+            </a:r>
+            <a:r>
+              <a:rPr lang="en-US" sz="2800" b="1" dirty="0"/>
+              <a:t> </a:t>
+            </a:r>
+            <a:r>
+              <a:rPr lang="ru-RU" sz="2800" dirty="0"/>
+              <a:t>вам в помощь…</a:t>
+            </a:r>
+            <a:endParaRPr lang="uk-UA" sz="2800" dirty="0"/>
+          </a:p>
+        </p:txBody>
+      </p:sp>
+      <p:sp>
+        <p:nvSpPr>
+          <p:cNvPr id="12" name="TextBox 11"/>
+          <p:cNvSpPr txBox="1"/>
+          <p:nvPr/>
+        </p:nvSpPr>
+        <p:spPr>
+          <a:xfrm>
+            <a:off x="5663952" y="4185374"/>
+            <a:ext cx="4968552" cy="707886"/>
+          </a:xfrm>
+          <a:prstGeom prst="rect">
+            <a:avLst/>
+          </a:prstGeom>
+          <a:noFill/>
+        </p:spPr>
+        <p:txBody>
+          <a:bodyPr wrap="square" rtlCol="0">
+            <a:spAutoFit/>
+          </a:bodyPr>
+          <a:lstStyle/>
+          <a:p>
+            <a:r>
+              <a:rPr lang="ru-RU" sz="2000" b="1" dirty="0">
+                <a:solidFill>
+                  <a:schemeClr val="accent6">
+                    <a:lumMod val="75000"/>
+                  </a:schemeClr>
+                </a:solidFill>
+              </a:rPr>
+              <a:t>Макет</a:t>
+            </a:r>
+            <a:r>
+              <a:rPr lang="ru-RU" sz="2000" dirty="0"/>
+              <a:t> доступен </a:t>
+            </a:r>
+            <a:r>
+              <a:rPr lang="ru-RU" sz="2000" b="1" dirty="0">
+                <a:solidFill>
+                  <a:srgbClr val="00B050"/>
+                </a:solidFill>
+              </a:rPr>
+              <a:t>в </a:t>
+            </a:r>
+            <a:r>
+              <a:rPr lang="ru-RU" sz="2000" b="1" dirty="0" err="1">
+                <a:solidFill>
+                  <a:srgbClr val="00B050"/>
+                </a:solidFill>
+              </a:rPr>
+              <a:t>репозитории</a:t>
+            </a:r>
+            <a:r>
+              <a:rPr lang="ru-RU" sz="2000" b="1" dirty="0">
+                <a:solidFill>
+                  <a:srgbClr val="00B050"/>
+                </a:solidFill>
+              </a:rPr>
+              <a:t> </a:t>
+            </a:r>
+            <a:r>
+              <a:rPr lang="ru-RU" sz="2000" dirty="0"/>
+              <a:t>занятия, в каталоге </a:t>
+            </a:r>
+            <a:r>
+              <a:rPr lang="en-US" sz="2000" b="1" dirty="0">
+                <a:solidFill>
+                  <a:srgbClr val="00B0F0"/>
+                </a:solidFill>
+              </a:rPr>
+              <a:t>./</a:t>
+            </a:r>
+            <a:r>
+              <a:rPr lang="en-US" sz="2000" b="1" dirty="0" err="1">
+                <a:solidFill>
+                  <a:srgbClr val="00B0F0"/>
+                </a:solidFill>
+              </a:rPr>
+              <a:t>src</a:t>
+            </a:r>
+            <a:r>
+              <a:rPr lang="en-US" sz="2000" b="1" dirty="0">
+                <a:solidFill>
+                  <a:srgbClr val="00B0F0"/>
+                </a:solidFill>
+              </a:rPr>
+              <a:t>/homework-layout</a:t>
+            </a:r>
           </a:p>
         </p:txBody>
       </p:sp>
     </p:spTree>
     <p:extLst>
       <p:ext uri="{BB962C8B-B14F-4D97-AF65-F5344CB8AC3E}">
-        <p14:creationId xmlns:p14="http://schemas.microsoft.com/office/powerpoint/2010/main" val="2717058134"/>
+        <p14:creationId xmlns:p14="http://schemas.microsoft.com/office/powerpoint/2010/main" val="1516391349"/>
       </p:ext>
     </p:extLst>
   </p:cSld>
@@ -7682,6 +7898,85 @@
       </p:grpSpPr>
       <p:sp>
         <p:nvSpPr>
+          <p:cNvPr id="5" name="Прямоугольник 4"/>
+          <p:cNvSpPr/>
+          <p:nvPr/>
+        </p:nvSpPr>
+        <p:spPr>
+          <a:xfrm>
+            <a:off x="0" y="0"/>
+            <a:ext cx="12192000" cy="6858000"/>
+          </a:xfrm>
+          <a:prstGeom prst="rect">
+            <a:avLst/>
+          </a:prstGeom>
+          <a:solidFill>
+            <a:schemeClr val="tx2">
+              <a:lumMod val="75000"/>
+            </a:schemeClr>
+          </a:solidFill>
+        </p:spPr>
+        <p:style>
+          <a:lnRef idx="2">
+            <a:schemeClr val="accent1">
+              <a:shade val="50000"/>
+            </a:schemeClr>
+          </a:lnRef>
+          <a:fillRef idx="1">
+            <a:schemeClr val="accent1"/>
+          </a:fillRef>
+          <a:effectRef idx="0">
+            <a:schemeClr val="accent1"/>
+          </a:effectRef>
+          <a:fontRef idx="minor">
+            <a:schemeClr val="lt1"/>
+          </a:fontRef>
+        </p:style>
+        <p:txBody>
+          <a:bodyPr rtlCol="0" anchor="ctr"/>
+          <a:lstStyle/>
+          <a:p>
+            <a:pPr algn="ctr"/>
+            <a:r>
+              <a:rPr lang="ru-RU" sz="6600" b="1" dirty="0"/>
+              <a:t>На следующем занятии</a:t>
+            </a:r>
+            <a:endParaRPr lang="uk-UA" sz="6600" b="1" dirty="0"/>
+          </a:p>
+        </p:txBody>
+      </p:sp>
+    </p:spTree>
+    <p:extLst>
+      <p:ext uri="{BB962C8B-B14F-4D97-AF65-F5344CB8AC3E}">
+        <p14:creationId xmlns:p14="http://schemas.microsoft.com/office/powerpoint/2010/main" val="2717058134"/>
+      </p:ext>
+    </p:extLst>
+  </p:cSld>
+  <p:clrMapOvr>
+    <a:masterClrMapping/>
+  </p:clrMapOvr>
+</p:sld>
+</file>
+
+<file path=ppt/slides/slide27.xml><?xml version="1.0" encoding="utf-8"?>
+<p:sld xmlns:a="http://schemas.openxmlformats.org/drawingml/2006/main" xmlns:r="http://schemas.openxmlformats.org/officeDocument/2006/relationships" xmlns:p="http://schemas.openxmlformats.org/presentationml/2006/main">
+  <p:cSld>
+    <p:spTree>
+      <p:nvGrpSpPr>
+        <p:cNvPr id="1" name=""/>
+        <p:cNvGrpSpPr/>
+        <p:nvPr/>
+      </p:nvGrpSpPr>
+      <p:grpSpPr>
+        <a:xfrm>
+          <a:off x="0" y="0"/>
+          <a:ext cx="0" cy="0"/>
+          <a:chOff x="0" y="0"/>
+          <a:chExt cx="0" cy="0"/>
+        </a:xfrm>
+      </p:grpSpPr>
+      <p:sp>
+        <p:nvSpPr>
           <p:cNvPr id="8" name="Номер слайда 36"/>
           <p:cNvSpPr txBox="1">
             <a:spLocks/>
@@ -7738,7 +8033,7 @@
               <a:pPr algn="ctr">
                 <a:defRPr/>
               </a:pPr>
-              <a:t>26</a:t>
+              <a:t>27</a:t>
             </a:fld>
             <a:endParaRPr lang="uk-UA" sz="2400" b="1" dirty="0">
               <a:solidFill>
@@ -8922,7 +9217,7 @@
         <p:spPr>
           <a:xfrm>
             <a:off x="0" y="260648"/>
-            <a:ext cx="12192000" cy="646331"/>
+            <a:ext cx="12192000" cy="769441"/>
           </a:xfrm>
           <a:prstGeom prst="rect">
             <a:avLst/>
@@ -8937,10 +9232,10 @@
           <a:p>
             <a:pPr algn="ctr"/>
             <a:r>
-              <a:rPr lang="en-US" sz="3600" b="1" dirty="0"/>
+              <a:rPr lang="en-US" sz="4400" b="1" dirty="0"/>
               <a:t>CSS Grid</a:t>
             </a:r>
-            <a:endParaRPr lang="ru-RU" sz="3600" b="1" dirty="0"/>
+            <a:endParaRPr lang="ru-RU" sz="4400" b="1" dirty="0"/>
           </a:p>
         </p:txBody>
       </p:sp>
